--- a/Template-for-Assignment1.pptx
+++ b/Template-for-Assignment1.pptx
@@ -7467,7 +7467,7 @@
           <a:p>
             <a:r>
               <a:rPr lang="en-US" dirty="0"/>
-              <a:t>Additional Notes (if available)</a:t>
+              <a:t>Additional Notes</a:t>
             </a:r>
           </a:p>
         </p:txBody>
@@ -7488,61 +7488,119 @@
             <p:ph idx="1"/>
           </p:nvPr>
         </p:nvSpPr>
-        <p:spPr/>
-        <p:txBody>
-          <a:bodyPr/>
-          <a:lstStyle/>
-          <a:p>
-            <a:r>
-              <a:rPr lang="en-US" dirty="0" err="1"/>
+        <p:spPr>
+          <a:xfrm>
+            <a:off x="838200" y="1825625"/>
+            <a:ext cx="10515600" cy="4667250"/>
+          </a:xfrm>
+        </p:spPr>
+        <p:txBody>
+          <a:bodyPr>
+            <a:normAutofit/>
+          </a:bodyPr>
+          <a:lstStyle/>
+          <a:p>
+            <a:r>
+              <a:rPr lang="en-US" sz="2000" dirty="0" err="1"/>
               <a:t>Github</a:t>
             </a:r>
             <a:r>
-              <a:rPr lang="en-US" dirty="0"/>
-              <a:t> Repository  to notebook </a:t>
-            </a:r>
-            <a:r>
-              <a:rPr lang="en-US" dirty="0">
+              <a:rPr lang="en-US" sz="2000" dirty="0"/>
+              <a:t> Repository  to notebook</a:t>
+            </a:r>
+          </a:p>
+          <a:p>
+            <a:pPr marL="457200" lvl="1" indent="0">
+              <a:buNone/>
+            </a:pPr>
+            <a:r>
+              <a:rPr lang="en-US" sz="2000" dirty="0">
                 <a:hlinkClick r:id="rId2"/>
               </a:rPr>
               <a:t>https://github.com/abilimckl1/ShoppingBehaviour</a:t>
             </a:r>
             <a:r>
-              <a:rPr lang="en-US" dirty="0"/>
+              <a:rPr lang="en-US" sz="2000" dirty="0"/>
               <a:t> </a:t>
             </a:r>
           </a:p>
           <a:p>
             <a:r>
-              <a:rPr lang="en-US" dirty="0"/>
-              <a:t>Percentage representation in pie chart	                </a:t>
-            </a:r>
-            <a:r>
-              <a:rPr lang="en-US" dirty="0">
+              <a:rPr lang="en-US" sz="2000" dirty="0"/>
+              <a:t>Percentage representation in pie chart</a:t>
+            </a:r>
+          </a:p>
+          <a:p>
+            <a:pPr marL="457200" lvl="1" indent="0">
+              <a:buNone/>
+            </a:pPr>
+            <a:r>
+              <a:rPr lang="en-US" sz="2000" dirty="0">
                 <a:hlinkClick r:id="rId3"/>
               </a:rPr>
               <a:t>https://help.tableau.com/current/pro/desktop/en-us/calculations_percentages_options.htm#:~:text=To%20calculate%20percentages%20in%20your,then%20select%20a%20percentage%20option</a:t>
             </a:r>
             <a:r>
-              <a:rPr lang="en-US" dirty="0"/>
+              <a:rPr lang="en-US" sz="2000" dirty="0"/>
               <a:t>. </a:t>
             </a:r>
           </a:p>
           <a:p>
             <a:r>
-              <a:rPr lang="en-US" dirty="0"/>
-              <a:t>Types of Charts                                                              </a:t>
-            </a:r>
-            <a:r>
-              <a:rPr lang="en-US" dirty="0">
+              <a:rPr lang="en-US" sz="2000" dirty="0"/>
+              <a:t>Types of Charts</a:t>
+            </a:r>
+          </a:p>
+          <a:p>
+            <a:pPr marL="457200" lvl="1" indent="0">
+              <a:buNone/>
+            </a:pPr>
+            <a:r>
+              <a:rPr lang="en-US" sz="2000" dirty="0">
                 <a:hlinkClick r:id="rId4"/>
               </a:rPr>
               <a:t>https://eazybi.com/blog/data-visualization-and-chart-types</a:t>
             </a:r>
             <a:r>
-              <a:rPr lang="en-US" dirty="0"/>
+              <a:rPr lang="en-US" sz="2000" dirty="0"/>
               <a:t> </a:t>
             </a:r>
+          </a:p>
+          <a:p>
+            <a:r>
+              <a:rPr lang="en-US" sz="2000" dirty="0"/>
+              <a:t>History of survey </a:t>
+            </a:r>
+          </a:p>
+          <a:p>
+            <a:pPr marL="457200" lvl="1" indent="0">
+              <a:buNone/>
+            </a:pPr>
+            <a:r>
+              <a:rPr lang="en-US" sz="2000" dirty="0">
+                <a:hlinkClick r:id="rId5"/>
+              </a:rPr>
+              <a:t>https://en.wikipedia.org/wiki/Survey_(human_research)</a:t>
+            </a:r>
+            <a:endParaRPr lang="en-US" sz="2000" dirty="0"/>
+          </a:p>
+          <a:p>
+            <a:r>
+              <a:rPr lang="en-US" sz="2000" dirty="0"/>
+              <a:t>History of Visualization</a:t>
+            </a:r>
+          </a:p>
+          <a:p>
+            <a:pPr marL="457200" lvl="1" indent="0">
+              <a:buNone/>
+            </a:pPr>
+            <a:r>
+              <a:rPr lang="en-US" sz="2000" dirty="0">
+                <a:hlinkClick r:id="rId6"/>
+              </a:rPr>
+              <a:t>https://insightsoftware.com/blog/a-brief-history-of-data-visualization/</a:t>
+            </a:r>
+            <a:endParaRPr lang="en-US" sz="2000" dirty="0"/>
           </a:p>
         </p:txBody>
       </p:sp>
